--- a/traktor/mapping_xdj_xz/3 - Support files/Source files/xdj-xz - Specific mapping pictures.pptx
+++ b/traktor/mapping_xdj_xz/3 - Support files/Source files/xdj-xz - Specific mapping pictures.pptx
@@ -192,7 +192,7 @@
           <a:p>
             <a:fld id="{FD1106D6-862D-40C1-9815-6CA98A8212E7}" type="datetimeFigureOut">
               <a:rPr lang="en-US" smtClean="0"/>
-              <a:t>4/10/2020</a:t>
+              <a:t>5/22/2020</a:t>
             </a:fld>
             <a:endParaRPr lang="en-US"/>
           </a:p>
@@ -725,7 +725,7 @@
           <a:p>
             <a:fld id="{4A75C5E4-012D-4928-8B8B-0B58FFCAA534}" type="datetime1">
               <a:rPr lang="en-US" smtClean="0"/>
-              <a:t>4/10/2020</a:t>
+              <a:t>5/22/2020</a:t>
             </a:fld>
             <a:endParaRPr lang="en-US"/>
           </a:p>
@@ -891,7 +891,7 @@
           <a:p>
             <a:fld id="{5AB14B01-561A-4B3D-8430-A6F142B0E57D}" type="datetime1">
               <a:rPr lang="en-US" smtClean="0"/>
-              <a:t>4/10/2020</a:t>
+              <a:t>5/22/2020</a:t>
             </a:fld>
             <a:endParaRPr lang="en-US"/>
           </a:p>
@@ -1067,7 +1067,7 @@
           <a:p>
             <a:fld id="{5F7EF0EE-FF8C-4D98-AF5B-4DF28D699F9A}" type="datetime1">
               <a:rPr lang="en-US" smtClean="0"/>
-              <a:t>4/10/2020</a:t>
+              <a:t>5/22/2020</a:t>
             </a:fld>
             <a:endParaRPr lang="en-US"/>
           </a:p>
@@ -1233,7 +1233,7 @@
           <a:p>
             <a:fld id="{95FAE2A3-3548-4E55-9046-5BDE40049B07}" type="datetime1">
               <a:rPr lang="en-US" smtClean="0"/>
-              <a:t>4/10/2020</a:t>
+              <a:t>5/22/2020</a:t>
             </a:fld>
             <a:endParaRPr lang="en-US"/>
           </a:p>
@@ -1475,7 +1475,7 @@
           <a:p>
             <a:fld id="{1FF82A4D-BFD9-4A47-B1E1-F6AD8C1BE0FA}" type="datetime1">
               <a:rPr lang="en-US" smtClean="0"/>
-              <a:t>4/10/2020</a:t>
+              <a:t>5/22/2020</a:t>
             </a:fld>
             <a:endParaRPr lang="en-US"/>
           </a:p>
@@ -1759,7 +1759,7 @@
           <a:p>
             <a:fld id="{477A8AD3-E8E6-492D-89B3-9EC59A082C85}" type="datetime1">
               <a:rPr lang="en-US" smtClean="0"/>
-              <a:t>4/10/2020</a:t>
+              <a:t>5/22/2020</a:t>
             </a:fld>
             <a:endParaRPr lang="en-US"/>
           </a:p>
@@ -2177,7 +2177,7 @@
           <a:p>
             <a:fld id="{83900118-B9B8-4877-9C8B-6C574FB17F60}" type="datetime1">
               <a:rPr lang="en-US" smtClean="0"/>
-              <a:t>4/10/2020</a:t>
+              <a:t>5/22/2020</a:t>
             </a:fld>
             <a:endParaRPr lang="en-US"/>
           </a:p>
@@ -2291,7 +2291,7 @@
           <a:p>
             <a:fld id="{96910349-1C51-477E-ACBB-F7325CF6EF20}" type="datetime1">
               <a:rPr lang="en-US" smtClean="0"/>
-              <a:t>4/10/2020</a:t>
+              <a:t>5/22/2020</a:t>
             </a:fld>
             <a:endParaRPr lang="en-US"/>
           </a:p>
@@ -2382,7 +2382,7 @@
           <a:p>
             <a:fld id="{50E6B4F7-E64C-407E-B9F9-8ED5710121CA}" type="datetime1">
               <a:rPr lang="en-US" smtClean="0"/>
-              <a:t>4/10/2020</a:t>
+              <a:t>5/22/2020</a:t>
             </a:fld>
             <a:endParaRPr lang="en-US"/>
           </a:p>
@@ -2655,7 +2655,7 @@
           <a:p>
             <a:fld id="{1667099C-E9FC-4C34-9D1F-FF3F2B07BCD5}" type="datetime1">
               <a:rPr lang="en-US" smtClean="0"/>
-              <a:t>4/10/2020</a:t>
+              <a:t>5/22/2020</a:t>
             </a:fld>
             <a:endParaRPr lang="en-US"/>
           </a:p>
@@ -2904,7 +2904,7 @@
           <a:p>
             <a:fld id="{0A95BBB6-EEBD-477F-B7BD-352057B13ACC}" type="datetime1">
               <a:rPr lang="en-US" smtClean="0"/>
-              <a:t>4/10/2020</a:t>
+              <a:t>5/22/2020</a:t>
             </a:fld>
             <a:endParaRPr lang="en-US"/>
           </a:p>
@@ -3129,7 +3129,7 @@
           <a:p>
             <a:fld id="{051D1D32-1C6B-4A2D-8885-C44DDF3DCD1A}" type="datetime1">
               <a:rPr lang="en-US" smtClean="0"/>
-              <a:t>4/10/2020</a:t>
+              <a:t>5/22/2020</a:t>
             </a:fld>
             <a:endParaRPr lang="en-US"/>
           </a:p>
@@ -3549,11 +3549,7 @@
           <a:p>
             <a:r>
               <a:rPr lang="en-US" sz="2400" i="1" u="sng" dirty="0" smtClean="0"/>
-              <a:t>X</a:t>
-            </a:r>
-            <a:r>
-              <a:rPr lang="en-US" sz="2400" i="1" u="sng" dirty="0" smtClean="0"/>
-              <a:t>DJ-XZ: Loops</a:t>
+              <a:t>XDJ-XZ: Loops</a:t>
             </a:r>
             <a:endParaRPr lang="en-US" sz="2400" i="1" u="sng" dirty="0"/>
           </a:p>
@@ -3653,11 +3649,6 @@
               </a:rPr>
               <a:t>Loop In</a:t>
             </a:r>
-            <a:endParaRPr lang="en-US" sz="1200" b="1" dirty="0" smtClean="0">
-              <a:solidFill>
-                <a:schemeClr val="tx1"/>
-              </a:solidFill>
-            </a:endParaRPr>
           </a:p>
         </p:txBody>
       </p:sp>
@@ -3715,11 +3706,6 @@
               </a:rPr>
               <a:t>Loop Out</a:t>
             </a:r>
-            <a:endParaRPr lang="en-US" sz="1200" b="1" dirty="0" smtClean="0">
-              <a:solidFill>
-                <a:schemeClr val="tx1"/>
-              </a:solidFill>
-            </a:endParaRPr>
           </a:p>
         </p:txBody>
       </p:sp>
@@ -3955,10 +3941,10 @@
         </p:nvGrpSpPr>
         <p:grpSpPr>
           <a:xfrm>
-            <a:off x="430320" y="4388277"/>
-            <a:ext cx="4979880" cy="1000125"/>
-            <a:chOff x="109448" y="4821238"/>
-            <a:chExt cx="4979880" cy="1000125"/>
+            <a:off x="688382" y="4388277"/>
+            <a:ext cx="4721818" cy="1000125"/>
+            <a:chOff x="367510" y="4821238"/>
+            <a:chExt cx="4721818" cy="1000125"/>
           </a:xfrm>
         </p:grpSpPr>
         <p:pic>
@@ -3982,7 +3968,7 @@
           </p:blipFill>
           <p:spPr bwMode="auto">
             <a:xfrm>
-              <a:off x="109448" y="4914901"/>
+              <a:off x="367510" y="4888341"/>
               <a:ext cx="736144" cy="812800"/>
             </a:xfrm>
             <a:prstGeom prst="rect">
@@ -4124,7 +4110,7 @@
         </p:blipFill>
         <p:spPr bwMode="auto">
           <a:xfrm>
-            <a:off x="430320" y="5709503"/>
+            <a:off x="688382" y="5691306"/>
             <a:ext cx="736144" cy="812800"/>
           </a:xfrm>
           <a:prstGeom prst="rect">
